--- a/Data607-Presentation-FinalProject.pptx
+++ b/Data607-Presentation-FinalProject.pptx
@@ -137,7 +137,7 @@
 <file path=ppt/revisionInfo.xml><?xml version="1.0" encoding="utf-8"?>
 <p1510:revInfo xmlns:a="http://schemas.openxmlformats.org/drawingml/2006/main" xmlns:r="http://schemas.openxmlformats.org/officeDocument/2006/relationships" xmlns:p1510="http://schemas.microsoft.com/office/powerpoint/2015/10/main">
   <p1510:revLst>
-    <p1510:client id="{9D21B20A-1995-464E-B81F-528E36DEDC89}" v="58" dt="2020-05-11T01:41:33.149"/>
+    <p1510:client id="{9D21B20A-1995-464E-B81F-528E36DEDC89}" v="59" dt="2020-05-13T22:28:44.174"/>
   </p1510:revLst>
 </p1510:revInfo>
 </file>
@@ -724,12 +724,12 @@
   <pc:docChgLst>
     <pc:chgData name=" " userId="9de9514f295d26bc" providerId="LiveId" clId="{9D21B20A-1995-464E-B81F-528E36DEDC89}"/>
     <pc:docChg chg="undo custSel mod addSld delSld modSld">
-      <pc:chgData name=" " userId="9de9514f295d26bc" providerId="LiveId" clId="{9D21B20A-1995-464E-B81F-528E36DEDC89}" dt="2020-05-11T01:42:22.069" v="628" actId="14100"/>
+      <pc:chgData name=" " userId="9de9514f295d26bc" providerId="LiveId" clId="{9D21B20A-1995-464E-B81F-528E36DEDC89}" dt="2020-05-13T22:29:13.743" v="649" actId="1038"/>
       <pc:docMkLst>
         <pc:docMk/>
       </pc:docMkLst>
       <pc:sldChg chg="addSp delSp modSp mod setBg setClrOvrMap">
-        <pc:chgData name=" " userId="9de9514f295d26bc" providerId="LiveId" clId="{9D21B20A-1995-464E-B81F-528E36DEDC89}" dt="2020-05-10T02:07:51.583" v="258" actId="20577"/>
+        <pc:chgData name=" " userId="9de9514f295d26bc" providerId="LiveId" clId="{9D21B20A-1995-464E-B81F-528E36DEDC89}" dt="2020-05-13T22:29:13.743" v="649" actId="1038"/>
         <pc:sldMkLst>
           <pc:docMk/>
           <pc:sldMk cId="1636976244" sldId="256"/>
@@ -756,6 +756,14 @@
             <pc:docMk/>
             <pc:sldMk cId="1636976244" sldId="256"/>
             <ac:spMk id="4" creationId="{5C18B5F5-3EFB-4DC1-A77A-1E4057B28B8E}"/>
+          </ac:spMkLst>
+        </pc:spChg>
+        <pc:spChg chg="add mod">
+          <ac:chgData name=" " userId="9de9514f295d26bc" providerId="LiveId" clId="{9D21B20A-1995-464E-B81F-528E36DEDC89}" dt="2020-05-13T22:29:13.743" v="649" actId="1038"/>
+          <ac:spMkLst>
+            <pc:docMk/>
+            <pc:sldMk cId="1636976244" sldId="256"/>
+            <ac:spMk id="4" creationId="{B1FFD07B-903B-4920-A3F7-3D27B0267D5E}"/>
           </ac:spMkLst>
         </pc:spChg>
         <pc:spChg chg="add del">
@@ -2016,7 +2024,7 @@
           <a:p>
             <a:fld id="{027A53CA-8B9E-4337-9386-A83BDA935E60}" type="datetimeFigureOut">
               <a:rPr lang="en-US" smtClean="0"/>
-              <a:t>5/9/2020</a:t>
+              <a:t>5/13/2020</a:t>
             </a:fld>
             <a:endParaRPr lang="en-US"/>
           </a:p>
@@ -2552,7 +2560,7 @@
           <a:p>
             <a:fld id="{FA7134C7-E58B-485D-B806-49E7A114C78F}" type="datetime1">
               <a:rPr lang="en-US" smtClean="0"/>
-              <a:t>5/9/2020</a:t>
+              <a:t>5/13/2020</a:t>
             </a:fld>
             <a:endParaRPr lang="en-US"/>
           </a:p>
@@ -2850,7 +2858,7 @@
           <a:p>
             <a:fld id="{A1F2297E-BC1E-4C0E-8E5A-AC7FC52B0D28}" type="datetime1">
               <a:rPr lang="en-US" smtClean="0"/>
-              <a:t>5/9/2020</a:t>
+              <a:t>5/13/2020</a:t>
             </a:fld>
             <a:endParaRPr lang="en-US"/>
           </a:p>
@@ -3042,7 +3050,7 @@
           <a:p>
             <a:fld id="{15AEF44D-82B5-4A76-A7E8-0305CECDBCD2}" type="datetime1">
               <a:rPr lang="en-US" smtClean="0"/>
-              <a:t>5/9/2020</a:t>
+              <a:t>5/13/2020</a:t>
             </a:fld>
             <a:endParaRPr lang="en-US"/>
           </a:p>
@@ -3303,7 +3311,7 @@
           <a:p>
             <a:fld id="{45C87389-53A8-4E3C-BFFA-F07477936FCE}" type="datetime1">
               <a:rPr lang="en-US" smtClean="0"/>
-              <a:t>5/9/2020</a:t>
+              <a:t>5/13/2020</a:t>
             </a:fld>
             <a:endParaRPr lang="en-US"/>
           </a:p>
@@ -3727,7 +3735,7 @@
           <a:p>
             <a:fld id="{685B7944-959E-4AC8-96C3-FC6D579CB3C4}" type="datetime1">
               <a:rPr lang="en-US" smtClean="0"/>
-              <a:t>5/9/2020</a:t>
+              <a:t>5/13/2020</a:t>
             </a:fld>
             <a:endParaRPr lang="en-US"/>
           </a:p>
@@ -4264,7 +4272,7 @@
           <a:p>
             <a:fld id="{B319CA10-874E-4636-A787-3D38EDD53A4E}" type="datetime1">
               <a:rPr lang="en-US" smtClean="0"/>
-              <a:t>5/9/2020</a:t>
+              <a:t>5/13/2020</a:t>
             </a:fld>
             <a:endParaRPr lang="en-US"/>
           </a:p>
@@ -5128,7 +5136,7 @@
           <a:p>
             <a:fld id="{CC1F4CD6-E89D-4A67-A718-1340459B2992}" type="datetime1">
               <a:rPr lang="en-US" smtClean="0"/>
-              <a:t>5/9/2020</a:t>
+              <a:t>5/13/2020</a:t>
             </a:fld>
             <a:endParaRPr lang="en-US"/>
           </a:p>
@@ -5298,7 +5306,7 @@
           <a:p>
             <a:fld id="{6A58CD8F-B80B-4344-AB3E-FA7A8276B438}" type="datetime1">
               <a:rPr lang="en-US" smtClean="0"/>
-              <a:t>5/9/2020</a:t>
+              <a:t>5/13/2020</a:t>
             </a:fld>
             <a:endParaRPr lang="en-US"/>
           </a:p>
@@ -5482,7 +5490,7 @@
           <a:p>
             <a:fld id="{B1556362-8424-4C37-A96C-6FD29F5EC4F7}" type="datetime1">
               <a:rPr lang="en-US" smtClean="0"/>
-              <a:t>5/9/2020</a:t>
+              <a:t>5/13/2020</a:t>
             </a:fld>
             <a:endParaRPr lang="en-US"/>
           </a:p>
@@ -5652,7 +5660,7 @@
           <a:p>
             <a:fld id="{57043288-F6A0-414B-8710-5B682C94A351}" type="datetime1">
               <a:rPr lang="en-US" smtClean="0"/>
-              <a:t>5/9/2020</a:t>
+              <a:t>5/13/2020</a:t>
             </a:fld>
             <a:endParaRPr lang="en-US"/>
           </a:p>
@@ -5896,7 +5904,7 @@
           <a:p>
             <a:fld id="{D3F34377-EDA4-43B8-A330-1ECCB66C9C9B}" type="datetime1">
               <a:rPr lang="en-US" smtClean="0"/>
-              <a:t>5/9/2020</a:t>
+              <a:t>5/13/2020</a:t>
             </a:fld>
             <a:endParaRPr lang="en-US"/>
           </a:p>
@@ -6132,7 +6140,7 @@
           <a:p>
             <a:fld id="{C98A03C9-1561-45A6-A079-BE5FBED31024}" type="datetime1">
               <a:rPr lang="en-US" smtClean="0"/>
-              <a:t>5/9/2020</a:t>
+              <a:t>5/13/2020</a:t>
             </a:fld>
             <a:endParaRPr lang="en-US"/>
           </a:p>
@@ -6598,7 +6606,7 @@
           <a:p>
             <a:fld id="{C6D95E12-8B99-4776-9E05-2B57262687D9}" type="datetime1">
               <a:rPr lang="en-US" smtClean="0"/>
-              <a:t>5/9/2020</a:t>
+              <a:t>5/13/2020</a:t>
             </a:fld>
             <a:endParaRPr lang="en-US"/>
           </a:p>
@@ -6716,7 +6724,7 @@
           <a:p>
             <a:fld id="{A7758F60-458C-4B91-8BB5-B8F1EBD07DC7}" type="datetime1">
               <a:rPr lang="en-US" smtClean="0"/>
-              <a:t>5/9/2020</a:t>
+              <a:t>5/13/2020</a:t>
             </a:fld>
             <a:endParaRPr lang="en-US"/>
           </a:p>
@@ -6811,7 +6819,7 @@
           <a:p>
             <a:fld id="{5E99B59E-964A-4C33-ADC8-EE8A5AFB2B09}" type="datetime1">
               <a:rPr lang="en-US" smtClean="0"/>
-              <a:t>5/9/2020</a:t>
+              <a:t>5/13/2020</a:t>
             </a:fld>
             <a:endParaRPr lang="en-US"/>
           </a:p>
@@ -7066,7 +7074,7 @@
           <a:p>
             <a:fld id="{2C6BB5BC-8B2C-492E-9173-1C4B600E2560}" type="datetime1">
               <a:rPr lang="en-US" smtClean="0"/>
-              <a:t>5/9/2020</a:t>
+              <a:t>5/13/2020</a:t>
             </a:fld>
             <a:endParaRPr lang="en-US"/>
           </a:p>
@@ -7366,7 +7374,7 @@
           <a:p>
             <a:fld id="{4998ADD1-0A23-40CA-9005-BD51650F0FBE}" type="datetime1">
               <a:rPr lang="en-US" smtClean="0"/>
-              <a:t>5/9/2020</a:t>
+              <a:t>5/13/2020</a:t>
             </a:fld>
             <a:endParaRPr lang="en-US"/>
           </a:p>
@@ -7600,7 +7608,7 @@
           <a:p>
             <a:fld id="{2FC65F66-47A7-4A25-AAF8-EB9F85BA8D65}" type="datetime1">
               <a:rPr lang="en-US" smtClean="0"/>
-              <a:t>5/9/2020</a:t>
+              <a:t>5/13/2020</a:t>
             </a:fld>
             <a:endParaRPr lang="en-US"/>
           </a:p>
@@ -8615,6 +8623,48 @@
           </a:prstGeom>
         </p:spPr>
       </p:pic>
+      <p:sp>
+        <p:nvSpPr>
+          <p:cNvPr id="4" name="Rectangle 3">
+            <a:extLst>
+              <a:ext uri="{FF2B5EF4-FFF2-40B4-BE49-F238E27FC236}">
+                <a16:creationId xmlns:a16="http://schemas.microsoft.com/office/drawing/2014/main" id="{B1FFD07B-903B-4920-A3F7-3D27B0267D5E}"/>
+              </a:ext>
+            </a:extLst>
+          </p:cNvPr>
+          <p:cNvSpPr/>
+          <p:nvPr/>
+        </p:nvSpPr>
+        <p:spPr>
+          <a:xfrm>
+            <a:off x="5663668" y="4904342"/>
+            <a:ext cx="8183879" cy="261610"/>
+          </a:xfrm>
+          <a:prstGeom prst="rect">
+            <a:avLst/>
+          </a:prstGeom>
+        </p:spPr>
+        <p:txBody>
+          <a:bodyPr wrap="square">
+            <a:spAutoFit/>
+          </a:bodyPr>
+          <a:lstStyle/>
+          <a:p>
+            <a:pPr algn="ctr"/>
+            <a:r>
+              <a:rPr lang="en-US" sz="1100" dirty="0">
+                <a:solidFill>
+                  <a:srgbClr val="5B90BF"/>
+                </a:solidFill>
+                <a:latin typeface="&amp;quot"/>
+                <a:hlinkClick r:id="rId4"/>
+              </a:rPr>
+              <a:t>https://kamathvk1982.shinyapps.io/MyStateOfUnionSentimentAnalysis/</a:t>
+            </a:r>
+            <a:endParaRPr lang="en-US" sz="1100" dirty="0"/>
+          </a:p>
+        </p:txBody>
+      </p:sp>
     </p:spTree>
     <p:extLst>
       <p:ext uri="{BB962C8B-B14F-4D97-AF65-F5344CB8AC3E}">
